--- a/От Создателей игры.pptx
+++ b/От Создателей игры.pptx
@@ -9,7 +9,12 @@
     <p:sldId id="256" r:id="rId3"/>
     <p:sldId id="257" r:id="rId4"/>
     <p:sldId id="258" r:id="rId5"/>
-    <p:sldId id="259" r:id="rId6"/>
+    <p:sldId id="261" r:id="rId6"/>
+    <p:sldId id="262" r:id="rId7"/>
+    <p:sldId id="263" r:id="rId8"/>
+    <p:sldId id="265" r:id="rId9"/>
+    <p:sldId id="264" r:id="rId10"/>
+    <p:sldId id="259" r:id="rId11"/>
   </p:sldIdLst>
   <p:sldSz cx="12192000" cy="6858000"/>
   <p:notesSz cx="6858000" cy="9144000"/>
@@ -835,7 +840,7 @@
           <a:p>
             <a:fld id="{D747FAA1-8315-42B8-A5AC-566BAFF08559}" type="datetimeFigureOut">
               <a:rPr lang="ru-RU" smtClean="0"/>
-              <a:t>14.01.2022</a:t>
+              <a:t>18.01.2022</a:t>
             </a:fld>
             <a:endParaRPr lang="ru-RU"/>
           </a:p>
@@ -1086,7 +1091,7 @@
           <a:p>
             <a:fld id="{D747FAA1-8315-42B8-A5AC-566BAFF08559}" type="datetimeFigureOut">
               <a:rPr lang="ru-RU" smtClean="0"/>
-              <a:t>14.01.2022</a:t>
+              <a:t>18.01.2022</a:t>
             </a:fld>
             <a:endParaRPr lang="ru-RU"/>
           </a:p>
@@ -1400,7 +1405,7 @@
           <a:p>
             <a:fld id="{D747FAA1-8315-42B8-A5AC-566BAFF08559}" type="datetimeFigureOut">
               <a:rPr lang="ru-RU" smtClean="0"/>
-              <a:t>14.01.2022</a:t>
+              <a:t>18.01.2022</a:t>
             </a:fld>
             <a:endParaRPr lang="ru-RU"/>
           </a:p>
@@ -1727,7 +1732,7 @@
           <a:p>
             <a:fld id="{D747FAA1-8315-42B8-A5AC-566BAFF08559}" type="datetimeFigureOut">
               <a:rPr lang="ru-RU" smtClean="0"/>
-              <a:t>14.01.2022</a:t>
+              <a:t>18.01.2022</a:t>
             </a:fld>
             <a:endParaRPr lang="ru-RU"/>
           </a:p>
@@ -2041,7 +2046,7 @@
           <a:p>
             <a:fld id="{D747FAA1-8315-42B8-A5AC-566BAFF08559}" type="datetimeFigureOut">
               <a:rPr lang="ru-RU" smtClean="0"/>
-              <a:t>14.01.2022</a:t>
+              <a:t>18.01.2022</a:t>
             </a:fld>
             <a:endParaRPr lang="ru-RU"/>
           </a:p>
@@ -2428,7 +2433,7 @@
           <a:p>
             <a:fld id="{D747FAA1-8315-42B8-A5AC-566BAFF08559}" type="datetimeFigureOut">
               <a:rPr lang="ru-RU" smtClean="0"/>
-              <a:t>14.01.2022</a:t>
+              <a:t>18.01.2022</a:t>
             </a:fld>
             <a:endParaRPr lang="ru-RU"/>
           </a:p>
@@ -2598,7 +2603,7 @@
           <a:p>
             <a:fld id="{D747FAA1-8315-42B8-A5AC-566BAFF08559}" type="datetimeFigureOut">
               <a:rPr lang="ru-RU" smtClean="0"/>
-              <a:t>14.01.2022</a:t>
+              <a:t>18.01.2022</a:t>
             </a:fld>
             <a:endParaRPr lang="ru-RU"/>
           </a:p>
@@ -2778,7 +2783,7 @@
           <a:p>
             <a:fld id="{D747FAA1-8315-42B8-A5AC-566BAFF08559}" type="datetimeFigureOut">
               <a:rPr lang="ru-RU" smtClean="0"/>
-              <a:t>14.01.2022</a:t>
+              <a:t>18.01.2022</a:t>
             </a:fld>
             <a:endParaRPr lang="ru-RU"/>
           </a:p>
@@ -2954,7 +2959,7 @@
           <a:p>
             <a:fld id="{D747FAA1-8315-42B8-A5AC-566BAFF08559}" type="datetimeFigureOut">
               <a:rPr lang="ru-RU" smtClean="0"/>
-              <a:t>14.01.2022</a:t>
+              <a:t>18.01.2022</a:t>
             </a:fld>
             <a:endParaRPr lang="ru-RU"/>
           </a:p>
@@ -3201,7 +3206,7 @@
           <a:p>
             <a:fld id="{D747FAA1-8315-42B8-A5AC-566BAFF08559}" type="datetimeFigureOut">
               <a:rPr lang="ru-RU" smtClean="0"/>
-              <a:t>14.01.2022</a:t>
+              <a:t>18.01.2022</a:t>
             </a:fld>
             <a:endParaRPr lang="ru-RU"/>
           </a:p>
@@ -3433,7 +3438,7 @@
           <a:p>
             <a:fld id="{D747FAA1-8315-42B8-A5AC-566BAFF08559}" type="datetimeFigureOut">
               <a:rPr lang="ru-RU" smtClean="0"/>
-              <a:t>14.01.2022</a:t>
+              <a:t>18.01.2022</a:t>
             </a:fld>
             <a:endParaRPr lang="ru-RU"/>
           </a:p>
@@ -3807,7 +3812,7 @@
           <a:p>
             <a:fld id="{D747FAA1-8315-42B8-A5AC-566BAFF08559}" type="datetimeFigureOut">
               <a:rPr lang="ru-RU" smtClean="0"/>
-              <a:t>14.01.2022</a:t>
+              <a:t>18.01.2022</a:t>
             </a:fld>
             <a:endParaRPr lang="ru-RU"/>
           </a:p>
@@ -3930,7 +3935,7 @@
           <a:p>
             <a:fld id="{D747FAA1-8315-42B8-A5AC-566BAFF08559}" type="datetimeFigureOut">
               <a:rPr lang="ru-RU" smtClean="0"/>
-              <a:t>14.01.2022</a:t>
+              <a:t>18.01.2022</a:t>
             </a:fld>
             <a:endParaRPr lang="ru-RU"/>
           </a:p>
@@ -4025,7 +4030,7 @@
           <a:p>
             <a:fld id="{D747FAA1-8315-42B8-A5AC-566BAFF08559}" type="datetimeFigureOut">
               <a:rPr lang="ru-RU" smtClean="0"/>
-              <a:t>14.01.2022</a:t>
+              <a:t>18.01.2022</a:t>
             </a:fld>
             <a:endParaRPr lang="ru-RU"/>
           </a:p>
@@ -4280,7 +4285,7 @@
           <a:p>
             <a:fld id="{D747FAA1-8315-42B8-A5AC-566BAFF08559}" type="datetimeFigureOut">
               <a:rPr lang="ru-RU" smtClean="0"/>
-              <a:t>14.01.2022</a:t>
+              <a:t>18.01.2022</a:t>
             </a:fld>
             <a:endParaRPr lang="ru-RU"/>
           </a:p>
@@ -4543,7 +4548,7 @@
           <a:p>
             <a:fld id="{D747FAA1-8315-42B8-A5AC-566BAFF08559}" type="datetimeFigureOut">
               <a:rPr lang="ru-RU" smtClean="0"/>
-              <a:t>14.01.2022</a:t>
+              <a:t>18.01.2022</a:t>
             </a:fld>
             <a:endParaRPr lang="ru-RU"/>
           </a:p>
@@ -5288,7 +5293,7 @@
           <a:p>
             <a:fld id="{D747FAA1-8315-42B8-A5AC-566BAFF08559}" type="datetimeFigureOut">
               <a:rPr lang="ru-RU" smtClean="0"/>
-              <a:t>14.01.2022</a:t>
+              <a:t>18.01.2022</a:t>
             </a:fld>
             <a:endParaRPr lang="ru-RU"/>
           </a:p>
@@ -5817,7 +5822,7 @@
           <p:cNvPr id="2" name="Заголовок 1">
             <a:extLst>
               <a:ext uri="{FF2B5EF4-FFF2-40B4-BE49-F238E27FC236}">
-                <a16:creationId xmlns:a16="http://schemas.microsoft.com/office/drawing/2014/main" id="{794F0440-EF90-4FF4-BD50-204A92E7438E}"/>
+                <a16:creationId xmlns="" xmlns:a16="http://schemas.microsoft.com/office/drawing/2014/main" id="{794F0440-EF90-4FF4-BD50-204A92E7438E}"/>
               </a:ext>
             </a:extLst>
           </p:cNvPr>
@@ -5866,7 +5871,7 @@
           <p:cNvPr id="3" name="Подзаголовок 2">
             <a:extLst>
               <a:ext uri="{FF2B5EF4-FFF2-40B4-BE49-F238E27FC236}">
-                <a16:creationId xmlns:a16="http://schemas.microsoft.com/office/drawing/2014/main" id="{BF248301-CF12-4BC5-ABAC-2EB8D68260B5}"/>
+                <a16:creationId xmlns="" xmlns:a16="http://schemas.microsoft.com/office/drawing/2014/main" id="{BF248301-CF12-4BC5-ABAC-2EB8D68260B5}"/>
               </a:ext>
             </a:extLst>
           </p:cNvPr>
@@ -5906,18 +5911,117 @@
   <p:clrMapOvr>
     <a:masterClrMapping/>
   </p:clrMapOvr>
-  <mc:AlternateContent xmlns:mc="http://schemas.openxmlformats.org/markup-compatibility/2006">
-    <mc:Choice xmlns:p159="http://schemas.microsoft.com/office/powerpoint/2015/09/main" Requires="p159">
-      <p:transition xmlns:p14="http://schemas.microsoft.com/office/powerpoint/2010/main" spd="slow" p14:dur="2000">
-        <p159:morph option="byObject"/>
-      </p:transition>
-    </mc:Choice>
-    <mc:Fallback>
-      <p:transition spd="slow">
-        <p:fade/>
-      </p:transition>
-    </mc:Fallback>
-  </mc:AlternateContent>
+  <p:transition spd="slow">
+    <p:fade/>
+  </p:transition>
+  <p:timing>
+    <p:tnLst>
+      <p:par>
+        <p:cTn id="1" dur="indefinite" restart="never" nodeType="tmRoot"/>
+      </p:par>
+    </p:tnLst>
+  </p:timing>
+</p:sld>
+</file>
+
+<file path=ppt/slides/slide10.xml><?xml version="1.0" encoding="utf-8"?>
+<p:sld xmlns:a="http://schemas.openxmlformats.org/drawingml/2006/main" xmlns:r="http://schemas.openxmlformats.org/officeDocument/2006/relationships" xmlns:p="http://schemas.openxmlformats.org/presentationml/2006/main">
+  <p:cSld>
+    <p:spTree>
+      <p:nvGrpSpPr>
+        <p:cNvPr id="1" name=""/>
+        <p:cNvGrpSpPr/>
+        <p:nvPr/>
+      </p:nvGrpSpPr>
+      <p:grpSpPr>
+        <a:xfrm>
+          <a:off x="0" y="0"/>
+          <a:ext cx="0" cy="0"/>
+          <a:chOff x="0" y="0"/>
+          <a:chExt cx="0" cy="0"/>
+        </a:xfrm>
+      </p:grpSpPr>
+      <p:sp>
+        <p:nvSpPr>
+          <p:cNvPr id="2" name="Заголовок 1">
+            <a:extLst>
+              <a:ext uri="{FF2B5EF4-FFF2-40B4-BE49-F238E27FC236}">
+                <a16:creationId xmlns="" xmlns:a16="http://schemas.microsoft.com/office/drawing/2014/main" id="{156C8B58-6296-4EF9-BAD4-56C4826FB8BD}"/>
+              </a:ext>
+            </a:extLst>
+          </p:cNvPr>
+          <p:cNvSpPr>
+            <a:spLocks noGrp="1"/>
+          </p:cNvSpPr>
+          <p:nvPr>
+            <p:ph type="title"/>
+          </p:nvPr>
+        </p:nvSpPr>
+        <p:spPr/>
+        <p:txBody>
+          <a:bodyPr/>
+          <a:lstStyle/>
+          <a:p>
+            <a:endParaRPr lang="ru-RU" dirty="0"/>
+          </a:p>
+        </p:txBody>
+      </p:sp>
+      <p:sp>
+        <p:nvSpPr>
+          <p:cNvPr id="3" name="Объект 2">
+            <a:extLst>
+              <a:ext uri="{FF2B5EF4-FFF2-40B4-BE49-F238E27FC236}">
+                <a16:creationId xmlns="" xmlns:a16="http://schemas.microsoft.com/office/drawing/2014/main" id="{0C0C406C-4F76-4DF2-8604-27375AB8D9DE}"/>
+              </a:ext>
+            </a:extLst>
+          </p:cNvPr>
+          <p:cNvSpPr>
+            <a:spLocks noGrp="1"/>
+          </p:cNvSpPr>
+          <p:nvPr>
+            <p:ph idx="1"/>
+          </p:nvPr>
+        </p:nvSpPr>
+        <p:spPr/>
+        <p:txBody>
+          <a:bodyPr>
+            <a:normAutofit/>
+          </a:bodyPr>
+          <a:lstStyle/>
+          <a:p>
+            <a:pPr marL="0" indent="0" algn="ctr">
+              <a:buNone/>
+            </a:pPr>
+            <a:endParaRPr lang="ru-RU" sz="4400" dirty="0"/>
+          </a:p>
+          <a:p>
+            <a:pPr marL="0" indent="0" algn="ctr">
+              <a:buNone/>
+            </a:pPr>
+            <a:r>
+              <a:rPr lang="ru-RU" sz="4400" dirty="0"/>
+              <a:t>Спасибо за внимание!</a:t>
+            </a:r>
+          </a:p>
+        </p:txBody>
+      </p:sp>
+    </p:spTree>
+    <p:extLst>
+      <p:ext uri="{BB962C8B-B14F-4D97-AF65-F5344CB8AC3E}">
+        <p14:creationId xmlns:p14="http://schemas.microsoft.com/office/powerpoint/2010/main" val="2398705561"/>
+      </p:ext>
+    </p:extLst>
+  </p:cSld>
+  <p:clrMapOvr>
+    <a:masterClrMapping/>
+  </p:clrMapOvr>
+  <p:timing>
+    <p:tnLst>
+      <p:par>
+        <p:cTn id="1" dur="indefinite" restart="never" nodeType="tmRoot"/>
+      </p:par>
+    </p:tnLst>
+  </p:timing>
 </p:sld>
 </file>
 
@@ -5943,7 +6047,7 @@
           <p:cNvPr id="2" name="Заголовок 1">
             <a:extLst>
               <a:ext uri="{FF2B5EF4-FFF2-40B4-BE49-F238E27FC236}">
-                <a16:creationId xmlns:a16="http://schemas.microsoft.com/office/drawing/2014/main" id="{E0149F15-04A7-44A8-AC3E-DDED206EDDBC}"/>
+                <a16:creationId xmlns="" xmlns:a16="http://schemas.microsoft.com/office/drawing/2014/main" id="{E0149F15-04A7-44A8-AC3E-DDED206EDDBC}"/>
               </a:ext>
             </a:extLst>
           </p:cNvPr>
@@ -5984,7 +6088,7 @@
           <p:cNvPr id="3" name="Подзаголовок 2">
             <a:extLst>
               <a:ext uri="{FF2B5EF4-FFF2-40B4-BE49-F238E27FC236}">
-                <a16:creationId xmlns:a16="http://schemas.microsoft.com/office/drawing/2014/main" id="{32F0FC8A-67F2-4D58-9236-EDEB1F36DA66}"/>
+                <a16:creationId xmlns="" xmlns:a16="http://schemas.microsoft.com/office/drawing/2014/main" id="{32F0FC8A-67F2-4D58-9236-EDEB1F36DA66}"/>
               </a:ext>
             </a:extLst>
           </p:cNvPr>
@@ -6033,18 +6137,16 @@
   <p:clrMapOvr>
     <a:masterClrMapping/>
   </p:clrMapOvr>
-  <mc:AlternateContent xmlns:mc="http://schemas.openxmlformats.org/markup-compatibility/2006">
-    <mc:Choice xmlns:p159="http://schemas.microsoft.com/office/powerpoint/2015/09/main" Requires="p159">
-      <p:transition xmlns:p14="http://schemas.microsoft.com/office/powerpoint/2010/main" spd="slow" p14:dur="2000">
-        <p159:morph option="byObject"/>
-      </p:transition>
-    </mc:Choice>
-    <mc:Fallback>
-      <p:transition spd="slow">
-        <p:fade/>
-      </p:transition>
-    </mc:Fallback>
-  </mc:AlternateContent>
+  <p:transition spd="slow">
+    <p:fade/>
+  </p:transition>
+  <p:timing>
+    <p:tnLst>
+      <p:par>
+        <p:cTn id="1" dur="indefinite" restart="never" nodeType="tmRoot"/>
+      </p:par>
+    </p:tnLst>
+  </p:timing>
 </p:sld>
 </file>
 
@@ -6070,7 +6172,7 @@
           <p:cNvPr id="2" name="Заголовок 1">
             <a:extLst>
               <a:ext uri="{FF2B5EF4-FFF2-40B4-BE49-F238E27FC236}">
-                <a16:creationId xmlns:a16="http://schemas.microsoft.com/office/drawing/2014/main" id="{EBB4DF09-D6E5-4333-AD7C-059C5F954AED}"/>
+                <a16:creationId xmlns="" xmlns:a16="http://schemas.microsoft.com/office/drawing/2014/main" id="{EBB4DF09-D6E5-4333-AD7C-059C5F954AED}"/>
               </a:ext>
             </a:extLst>
           </p:cNvPr>
@@ -6104,7 +6206,7 @@
           <p:cNvPr id="5" name="Объект 4">
             <a:extLst>
               <a:ext uri="{FF2B5EF4-FFF2-40B4-BE49-F238E27FC236}">
-                <a16:creationId xmlns:a16="http://schemas.microsoft.com/office/drawing/2014/main" id="{6FF81082-1DAE-4D1C-A8B9-CFC1C3C41D00}"/>
+                <a16:creationId xmlns="" xmlns:a16="http://schemas.microsoft.com/office/drawing/2014/main" id="{6FF81082-1DAE-4D1C-A8B9-CFC1C3C41D00}"/>
               </a:ext>
             </a:extLst>
           </p:cNvPr>
@@ -6138,6 +6240,13 @@
   <p:clrMapOvr>
     <a:masterClrMapping/>
   </p:clrMapOvr>
+  <p:timing>
+    <p:tnLst>
+      <p:par>
+        <p:cTn id="1" dur="indefinite" restart="never" nodeType="tmRoot"/>
+      </p:par>
+    </p:tnLst>
+  </p:timing>
 </p:sld>
 </file>
 
@@ -6163,7 +6272,7 @@
           <p:cNvPr id="2" name="Заголовок 1">
             <a:extLst>
               <a:ext uri="{FF2B5EF4-FFF2-40B4-BE49-F238E27FC236}">
-                <a16:creationId xmlns:a16="http://schemas.microsoft.com/office/drawing/2014/main" id="{0DA05317-B2A2-4699-953E-8D18EB49C8FE}"/>
+                <a16:creationId xmlns="" xmlns:a16="http://schemas.microsoft.com/office/drawing/2014/main" id="{0DA05317-B2A2-4699-953E-8D18EB49C8FE}"/>
               </a:ext>
             </a:extLst>
           </p:cNvPr>
@@ -6184,21 +6293,19 @@
           <a:bodyPr/>
           <a:lstStyle/>
           <a:p>
+            <a:r>
+              <a:rPr lang="ru-RU" dirty="0" smtClean="0"/>
+              <a:t>Первый уровень</a:t>
+            </a:r>
             <a:endParaRPr lang="ru-RU" dirty="0"/>
           </a:p>
         </p:txBody>
       </p:sp>
       <p:pic>
         <p:nvPicPr>
-          <p:cNvPr id="5" name="Объект 4">
-            <a:extLst>
-              <a:ext uri="{FF2B5EF4-FFF2-40B4-BE49-F238E27FC236}">
-                <a16:creationId xmlns:a16="http://schemas.microsoft.com/office/drawing/2014/main" id="{20A6A3CF-AA91-4F68-BB66-A7DAE6AC5E88}"/>
-              </a:ext>
-            </a:extLst>
-          </p:cNvPr>
+          <p:cNvPr id="7" name="Объект 6"/>
           <p:cNvPicPr>
-            <a:picLocks noGrp="1" noChangeAspect="1"/>
+            <a:picLocks noGrp="1"/>
           </p:cNvPicPr>
           <p:nvPr>
             <p:ph idx="1"/>
@@ -6212,9 +6319,12 @@
         </p:blipFill>
         <p:spPr>
           <a:xfrm>
-            <a:off x="677334" y="1261533"/>
-            <a:ext cx="8596668" cy="4868333"/>
+            <a:off x="1045029" y="1240971"/>
+            <a:ext cx="8376557" cy="5012871"/>
           </a:xfrm>
+          <a:prstGeom prst="rect">
+            <a:avLst/>
+          </a:prstGeom>
         </p:spPr>
       </p:pic>
     </p:spTree>
@@ -6227,6 +6337,13 @@
   <p:clrMapOvr>
     <a:masterClrMapping/>
   </p:clrMapOvr>
+  <p:timing>
+    <p:tnLst>
+      <p:par>
+        <p:cTn id="1" dur="indefinite" restart="never" nodeType="tmRoot"/>
+      </p:par>
+    </p:tnLst>
+  </p:timing>
 </p:sld>
 </file>
 
@@ -6252,7 +6369,7 @@
           <p:cNvPr id="2" name="Заголовок 1">
             <a:extLst>
               <a:ext uri="{FF2B5EF4-FFF2-40B4-BE49-F238E27FC236}">
-                <a16:creationId xmlns:a16="http://schemas.microsoft.com/office/drawing/2014/main" id="{156C8B58-6296-4EF9-BAD4-56C4826FB8BD}"/>
+                <a16:creationId xmlns="" xmlns:a16="http://schemas.microsoft.com/office/drawing/2014/main" id="{0DA05317-B2A2-4699-953E-8D18EB49C8FE}"/>
               </a:ext>
             </a:extLst>
           </p:cNvPr>
@@ -6263,64 +6380,927 @@
             <p:ph type="title"/>
           </p:nvPr>
         </p:nvSpPr>
-        <p:spPr/>
+        <p:spPr>
+          <a:xfrm>
+            <a:off x="677334" y="609600"/>
+            <a:ext cx="8596668" cy="651933"/>
+          </a:xfrm>
+        </p:spPr>
         <p:txBody>
           <a:bodyPr/>
           <a:lstStyle/>
           <a:p>
+            <a:r>
+              <a:rPr lang="ru-RU" dirty="0" smtClean="0"/>
+              <a:t>Второй уровень</a:t>
+            </a:r>
             <a:endParaRPr lang="ru-RU" dirty="0"/>
           </a:p>
         </p:txBody>
       </p:sp>
-      <p:sp>
-        <p:nvSpPr>
-          <p:cNvPr id="3" name="Объект 2">
-            <a:extLst>
-              <a:ext uri="{FF2B5EF4-FFF2-40B4-BE49-F238E27FC236}">
-                <a16:creationId xmlns:a16="http://schemas.microsoft.com/office/drawing/2014/main" id="{0C0C406C-4F76-4DF2-8604-27375AB8D9DE}"/>
-              </a:ext>
-            </a:extLst>
-          </p:cNvPr>
-          <p:cNvSpPr>
-            <a:spLocks noGrp="1"/>
-          </p:cNvSpPr>
-          <p:nvPr>
-            <p:ph idx="1"/>
-          </p:nvPr>
-        </p:nvSpPr>
-        <p:spPr/>
-        <p:txBody>
-          <a:bodyPr>
-            <a:normAutofit/>
-          </a:bodyPr>
-          <a:lstStyle/>
-          <a:p>
-            <a:pPr marL="0" indent="0" algn="ctr">
-              <a:buNone/>
-            </a:pPr>
-            <a:endParaRPr lang="ru-RU" sz="4400" dirty="0"/>
-          </a:p>
-          <a:p>
-            <a:pPr marL="0" indent="0" algn="ctr">
-              <a:buNone/>
-            </a:pPr>
-            <a:r>
-              <a:rPr lang="ru-RU" sz="4400" dirty="0"/>
-              <a:t>Спасибо за внимание!</a:t>
-            </a:r>
-          </a:p>
-        </p:txBody>
-      </p:sp>
+      <p:pic>
+        <p:nvPicPr>
+          <p:cNvPr id="8" name="Рисунок 7"/>
+          <p:cNvPicPr/>
+          <p:nvPr/>
+        </p:nvPicPr>
+        <p:blipFill>
+          <a:blip r:embed="rId2"/>
+          <a:stretch>
+            <a:fillRect/>
+          </a:stretch>
+        </p:blipFill>
+        <p:spPr>
+          <a:xfrm>
+            <a:off x="1257300" y="1273629"/>
+            <a:ext cx="7592785" cy="5184048"/>
+          </a:xfrm>
+          <a:prstGeom prst="rect">
+            <a:avLst/>
+          </a:prstGeom>
+        </p:spPr>
+      </p:pic>
     </p:spTree>
     <p:extLst>
       <p:ext uri="{BB962C8B-B14F-4D97-AF65-F5344CB8AC3E}">
-        <p14:creationId xmlns:p14="http://schemas.microsoft.com/office/powerpoint/2010/main" val="2398705561"/>
+        <p14:creationId xmlns:p14="http://schemas.microsoft.com/office/powerpoint/2010/main" val="741667732"/>
       </p:ext>
     </p:extLst>
   </p:cSld>
   <p:clrMapOvr>
     <a:masterClrMapping/>
   </p:clrMapOvr>
+  <p:timing>
+    <p:tnLst>
+      <p:par>
+        <p:cTn id="1" dur="indefinite" restart="never" nodeType="tmRoot"/>
+      </p:par>
+    </p:tnLst>
+  </p:timing>
+</p:sld>
+</file>
+
+<file path=ppt/slides/slide6.xml><?xml version="1.0" encoding="utf-8"?>
+<p:sld xmlns:a="http://schemas.openxmlformats.org/drawingml/2006/main" xmlns:r="http://schemas.openxmlformats.org/officeDocument/2006/relationships" xmlns:p="http://schemas.openxmlformats.org/presentationml/2006/main">
+  <p:cSld>
+    <p:spTree>
+      <p:nvGrpSpPr>
+        <p:cNvPr id="1" name=""/>
+        <p:cNvGrpSpPr/>
+        <p:nvPr/>
+      </p:nvGrpSpPr>
+      <p:grpSpPr>
+        <a:xfrm>
+          <a:off x="0" y="0"/>
+          <a:ext cx="0" cy="0"/>
+          <a:chOff x="0" y="0"/>
+          <a:chExt cx="0" cy="0"/>
+        </a:xfrm>
+      </p:grpSpPr>
+      <p:sp>
+        <p:nvSpPr>
+          <p:cNvPr id="2" name="Заголовок 1">
+            <a:extLst>
+              <a:ext uri="{FF2B5EF4-FFF2-40B4-BE49-F238E27FC236}">
+                <a16:creationId xmlns="" xmlns:a16="http://schemas.microsoft.com/office/drawing/2014/main" id="{0DA05317-B2A2-4699-953E-8D18EB49C8FE}"/>
+              </a:ext>
+            </a:extLst>
+          </p:cNvPr>
+          <p:cNvSpPr>
+            <a:spLocks noGrp="1"/>
+          </p:cNvSpPr>
+          <p:nvPr>
+            <p:ph type="title"/>
+          </p:nvPr>
+        </p:nvSpPr>
+        <p:spPr>
+          <a:xfrm>
+            <a:off x="677334" y="609600"/>
+            <a:ext cx="8596668" cy="651933"/>
+          </a:xfrm>
+        </p:spPr>
+        <p:txBody>
+          <a:bodyPr/>
+          <a:lstStyle/>
+          <a:p>
+            <a:r>
+              <a:rPr lang="ru-RU" dirty="0" smtClean="0"/>
+              <a:t>Третий уровень</a:t>
+            </a:r>
+            <a:endParaRPr lang="ru-RU" dirty="0"/>
+          </a:p>
+        </p:txBody>
+      </p:sp>
+      <p:pic>
+        <p:nvPicPr>
+          <p:cNvPr id="5" name="Рисунок 4"/>
+          <p:cNvPicPr/>
+          <p:nvPr/>
+        </p:nvPicPr>
+        <p:blipFill>
+          <a:blip r:embed="rId2"/>
+          <a:stretch>
+            <a:fillRect/>
+          </a:stretch>
+        </p:blipFill>
+        <p:spPr>
+          <a:xfrm>
+            <a:off x="1126671" y="1283154"/>
+            <a:ext cx="7772399" cy="5010150"/>
+          </a:xfrm>
+          <a:prstGeom prst="rect">
+            <a:avLst/>
+          </a:prstGeom>
+        </p:spPr>
+      </p:pic>
+    </p:spTree>
+    <p:extLst>
+      <p:ext uri="{BB962C8B-B14F-4D97-AF65-F5344CB8AC3E}">
+        <p14:creationId xmlns:p14="http://schemas.microsoft.com/office/powerpoint/2010/main" val="741667732"/>
+      </p:ext>
+    </p:extLst>
+  </p:cSld>
+  <p:clrMapOvr>
+    <a:masterClrMapping/>
+  </p:clrMapOvr>
+  <p:timing>
+    <p:tnLst>
+      <p:par>
+        <p:cTn id="1" dur="indefinite" restart="never" nodeType="tmRoot"/>
+      </p:par>
+    </p:tnLst>
+  </p:timing>
+</p:sld>
+</file>
+
+<file path=ppt/slides/slide7.xml><?xml version="1.0" encoding="utf-8"?>
+<p:sld xmlns:a="http://schemas.openxmlformats.org/drawingml/2006/main" xmlns:r="http://schemas.openxmlformats.org/officeDocument/2006/relationships" xmlns:p="http://schemas.openxmlformats.org/presentationml/2006/main">
+  <p:cSld>
+    <p:spTree>
+      <p:nvGrpSpPr>
+        <p:cNvPr id="1" name=""/>
+        <p:cNvGrpSpPr/>
+        <p:nvPr/>
+      </p:nvGrpSpPr>
+      <p:grpSpPr>
+        <a:xfrm>
+          <a:off x="0" y="0"/>
+          <a:ext cx="0" cy="0"/>
+          <a:chOff x="0" y="0"/>
+          <a:chExt cx="0" cy="0"/>
+        </a:xfrm>
+      </p:grpSpPr>
+      <p:sp>
+        <p:nvSpPr>
+          <p:cNvPr id="2" name="Заголовок 1">
+            <a:extLst>
+              <a:ext uri="{FF2B5EF4-FFF2-40B4-BE49-F238E27FC236}">
+                <a16:creationId xmlns="" xmlns:a16="http://schemas.microsoft.com/office/drawing/2014/main" id="{0DA05317-B2A2-4699-953E-8D18EB49C8FE}"/>
+              </a:ext>
+            </a:extLst>
+          </p:cNvPr>
+          <p:cNvSpPr>
+            <a:spLocks noGrp="1"/>
+          </p:cNvSpPr>
+          <p:nvPr>
+            <p:ph type="title"/>
+          </p:nvPr>
+        </p:nvSpPr>
+        <p:spPr>
+          <a:xfrm>
+            <a:off x="677334" y="609600"/>
+            <a:ext cx="8596668" cy="651933"/>
+          </a:xfrm>
+        </p:spPr>
+        <p:txBody>
+          <a:bodyPr/>
+          <a:lstStyle/>
+          <a:p>
+            <a:r>
+              <a:rPr lang="ru-RU" dirty="0" smtClean="0"/>
+              <a:t>Бонусы</a:t>
+            </a:r>
+            <a:endParaRPr lang="ru-RU" dirty="0"/>
+          </a:p>
+        </p:txBody>
+      </p:sp>
+      <p:pic>
+        <p:nvPicPr>
+          <p:cNvPr id="4" name="Рисунок 3"/>
+          <p:cNvPicPr/>
+          <p:nvPr/>
+        </p:nvPicPr>
+        <p:blipFill>
+          <a:blip r:embed="rId2"/>
+          <a:stretch>
+            <a:fillRect/>
+          </a:stretch>
+        </p:blipFill>
+        <p:spPr>
+          <a:xfrm>
+            <a:off x="391885" y="1614487"/>
+            <a:ext cx="2841172" cy="2532970"/>
+          </a:xfrm>
+          <a:prstGeom prst="rect">
+            <a:avLst/>
+          </a:prstGeom>
+        </p:spPr>
+      </p:pic>
+      <p:pic>
+        <p:nvPicPr>
+          <p:cNvPr id="7" name="Рисунок 6"/>
+          <p:cNvPicPr/>
+          <p:nvPr/>
+        </p:nvPicPr>
+        <p:blipFill>
+          <a:blip r:embed="rId3"/>
+          <a:stretch>
+            <a:fillRect/>
+          </a:stretch>
+        </p:blipFill>
+        <p:spPr>
+          <a:xfrm>
+            <a:off x="4327071" y="1883228"/>
+            <a:ext cx="1930854" cy="1995488"/>
+          </a:xfrm>
+          <a:prstGeom prst="rect">
+            <a:avLst/>
+          </a:prstGeom>
+        </p:spPr>
+      </p:pic>
+      <p:pic>
+        <p:nvPicPr>
+          <p:cNvPr id="8" name="Рисунок 7"/>
+          <p:cNvPicPr/>
+          <p:nvPr/>
+        </p:nvPicPr>
+        <p:blipFill>
+          <a:blip r:embed="rId4"/>
+          <a:stretch>
+            <a:fillRect/>
+          </a:stretch>
+        </p:blipFill>
+        <p:spPr>
+          <a:xfrm>
+            <a:off x="7592786" y="1614487"/>
+            <a:ext cx="2416628" cy="2532970"/>
+          </a:xfrm>
+          <a:prstGeom prst="rect">
+            <a:avLst/>
+          </a:prstGeom>
+        </p:spPr>
+      </p:pic>
+    </p:spTree>
+    <p:extLst>
+      <p:ext uri="{BB962C8B-B14F-4D97-AF65-F5344CB8AC3E}">
+        <p14:creationId xmlns:p14="http://schemas.microsoft.com/office/powerpoint/2010/main" val="2602777421"/>
+      </p:ext>
+    </p:extLst>
+  </p:cSld>
+  <p:clrMapOvr>
+    <a:masterClrMapping/>
+  </p:clrMapOvr>
+  <p:timing>
+    <p:tnLst>
+      <p:par>
+        <p:cTn id="1" dur="indefinite" restart="never" nodeType="tmRoot"/>
+      </p:par>
+    </p:tnLst>
+  </p:timing>
+</p:sld>
+</file>
+
+<file path=ppt/slides/slide8.xml><?xml version="1.0" encoding="utf-8"?>
+<p:sld xmlns:a="http://schemas.openxmlformats.org/drawingml/2006/main" xmlns:r="http://schemas.openxmlformats.org/officeDocument/2006/relationships" xmlns:p="http://schemas.openxmlformats.org/presentationml/2006/main">
+  <p:cSld>
+    <p:spTree>
+      <p:nvGrpSpPr>
+        <p:cNvPr id="1" name=""/>
+        <p:cNvGrpSpPr/>
+        <p:nvPr/>
+      </p:nvGrpSpPr>
+      <p:grpSpPr>
+        <a:xfrm>
+          <a:off x="0" y="0"/>
+          <a:ext cx="0" cy="0"/>
+          <a:chOff x="0" y="0"/>
+          <a:chExt cx="0" cy="0"/>
+        </a:xfrm>
+      </p:grpSpPr>
+      <p:sp>
+        <p:nvSpPr>
+          <p:cNvPr id="2" name="Заголовок 1">
+            <a:extLst>
+              <a:ext uri="{FF2B5EF4-FFF2-40B4-BE49-F238E27FC236}">
+                <a16:creationId xmlns="" xmlns:a16="http://schemas.microsoft.com/office/drawing/2014/main" id="{0DA05317-B2A2-4699-953E-8D18EB49C8FE}"/>
+              </a:ext>
+            </a:extLst>
+          </p:cNvPr>
+          <p:cNvSpPr>
+            <a:spLocks noGrp="1"/>
+          </p:cNvSpPr>
+          <p:nvPr>
+            <p:ph type="title"/>
+          </p:nvPr>
+        </p:nvSpPr>
+        <p:spPr>
+          <a:xfrm>
+            <a:off x="3412071" y="4544786"/>
+            <a:ext cx="2582928" cy="1611086"/>
+          </a:xfrm>
+        </p:spPr>
+        <p:txBody>
+          <a:bodyPr>
+            <a:normAutofit fontScale="90000"/>
+          </a:bodyPr>
+          <a:lstStyle/>
+          <a:p>
+            <a:r>
+              <a:rPr lang="ru-RU" dirty="0" smtClean="0"/>
+              <a:t>Враг 2</a:t>
+            </a:r>
+            <a:br>
+              <a:rPr lang="ru-RU" dirty="0" smtClean="0"/>
+            </a:br>
+            <a:r>
+              <a:rPr lang="ru-RU" dirty="0" smtClean="0"/>
+              <a:t>30 здоровья</a:t>
+            </a:r>
+            <a:endParaRPr lang="ru-RU" dirty="0"/>
+          </a:p>
+        </p:txBody>
+      </p:sp>
+      <p:pic>
+        <p:nvPicPr>
+          <p:cNvPr id="2050" name="Picture 2" descr="C:\Users\ivanf\OneDrive\Рабочий стол\PycharmProjects\pyBattleTanks-master\images\vrag1.png"/>
+          <p:cNvPicPr>
+            <a:picLocks noChangeAspect="1" noChangeArrowheads="1"/>
+          </p:cNvPicPr>
+          <p:nvPr/>
+        </p:nvPicPr>
+        <p:blipFill>
+          <a:blip r:embed="rId2">
+            <a:extLst>
+              <a:ext uri="{28A0092B-C50C-407E-A947-70E740481C1C}">
+                <a14:useLocalDpi xmlns:a14="http://schemas.microsoft.com/office/drawing/2010/main" val="0"/>
+              </a:ext>
+            </a:extLst>
+          </a:blip>
+          <a:srcRect/>
+          <a:stretch>
+            <a:fillRect/>
+          </a:stretch>
+        </p:blipFill>
+        <p:spPr bwMode="auto">
+          <a:xfrm>
+            <a:off x="571500" y="1921329"/>
+            <a:ext cx="1993900" cy="1993900"/>
+          </a:xfrm>
+          <a:prstGeom prst="rect">
+            <a:avLst/>
+          </a:prstGeom>
+          <a:noFill/>
+          <a:extLst>
+            <a:ext uri="{909E8E84-426E-40DD-AFC4-6F175D3DCCD1}">
+              <a14:hiddenFill xmlns:a14="http://schemas.microsoft.com/office/drawing/2010/main">
+                <a:solidFill>
+                  <a:srgbClr val="FFFFFF"/>
+                </a:solidFill>
+              </a14:hiddenFill>
+            </a:ext>
+          </a:extLst>
+        </p:spPr>
+      </p:pic>
+      <p:pic>
+        <p:nvPicPr>
+          <p:cNvPr id="2051" name="Picture 3" descr="C:\Users\ivanf\OneDrive\Рабочий стол\PycharmProjects\pyBattleTanks-master\images\vrag2.png"/>
+          <p:cNvPicPr>
+            <a:picLocks noChangeAspect="1" noChangeArrowheads="1"/>
+          </p:cNvPicPr>
+          <p:nvPr/>
+        </p:nvPicPr>
+        <p:blipFill>
+          <a:blip r:embed="rId3">
+            <a:extLst>
+              <a:ext uri="{28A0092B-C50C-407E-A947-70E740481C1C}">
+                <a14:useLocalDpi xmlns:a14="http://schemas.microsoft.com/office/drawing/2010/main" val="0"/>
+              </a:ext>
+            </a:extLst>
+          </a:blip>
+          <a:srcRect/>
+          <a:stretch>
+            <a:fillRect/>
+          </a:stretch>
+        </p:blipFill>
+        <p:spPr bwMode="auto">
+          <a:xfrm>
+            <a:off x="3706585" y="1921329"/>
+            <a:ext cx="1993900" cy="1993900"/>
+          </a:xfrm>
+          <a:prstGeom prst="rect">
+            <a:avLst/>
+          </a:prstGeom>
+          <a:noFill/>
+          <a:extLst>
+            <a:ext uri="{909E8E84-426E-40DD-AFC4-6F175D3DCCD1}">
+              <a14:hiddenFill xmlns:a14="http://schemas.microsoft.com/office/drawing/2010/main">
+                <a:solidFill>
+                  <a:srgbClr val="FFFFFF"/>
+                </a:solidFill>
+              </a14:hiddenFill>
+            </a:ext>
+          </a:extLst>
+        </p:spPr>
+      </p:pic>
+      <p:pic>
+        <p:nvPicPr>
+          <p:cNvPr id="2052" name="Picture 4" descr="C:\Users\ivanf\OneDrive\Рабочий стол\PycharmProjects\pyBattleTanks-master\images\vrag3.png"/>
+          <p:cNvPicPr>
+            <a:picLocks noChangeAspect="1" noChangeArrowheads="1"/>
+          </p:cNvPicPr>
+          <p:nvPr/>
+        </p:nvPicPr>
+        <p:blipFill>
+          <a:blip r:embed="rId4">
+            <a:extLst>
+              <a:ext uri="{28A0092B-C50C-407E-A947-70E740481C1C}">
+                <a14:useLocalDpi xmlns:a14="http://schemas.microsoft.com/office/drawing/2010/main" val="0"/>
+              </a:ext>
+            </a:extLst>
+          </a:blip>
+          <a:srcRect/>
+          <a:stretch>
+            <a:fillRect/>
+          </a:stretch>
+        </p:blipFill>
+        <p:spPr bwMode="auto">
+          <a:xfrm>
+            <a:off x="6580414" y="1921329"/>
+            <a:ext cx="1993900" cy="1993900"/>
+          </a:xfrm>
+          <a:prstGeom prst="rect">
+            <a:avLst/>
+          </a:prstGeom>
+          <a:noFill/>
+          <a:extLst>
+            <a:ext uri="{909E8E84-426E-40DD-AFC4-6F175D3DCCD1}">
+              <a14:hiddenFill xmlns:a14="http://schemas.microsoft.com/office/drawing/2010/main">
+                <a:solidFill>
+                  <a:srgbClr val="FFFFFF"/>
+                </a:solidFill>
+              </a14:hiddenFill>
+            </a:ext>
+          </a:extLst>
+        </p:spPr>
+      </p:pic>
+      <p:sp>
+        <p:nvSpPr>
+          <p:cNvPr id="10" name="Заголовок 1">
+            <a:extLst>
+              <a:ext uri="{FF2B5EF4-FFF2-40B4-BE49-F238E27FC236}">
+                <a16:creationId xmlns="" xmlns:a16="http://schemas.microsoft.com/office/drawing/2014/main" id="{0DA05317-B2A2-4699-953E-8D18EB49C8FE}"/>
+              </a:ext>
+            </a:extLst>
+          </p:cNvPr>
+          <p:cNvSpPr txBox="1">
+            <a:spLocks/>
+          </p:cNvSpPr>
+          <p:nvPr/>
+        </p:nvSpPr>
+        <p:spPr>
+          <a:xfrm>
+            <a:off x="677334" y="609600"/>
+            <a:ext cx="8596668" cy="651933"/>
+          </a:xfrm>
+          <a:prstGeom prst="rect">
+            <a:avLst/>
+          </a:prstGeom>
+        </p:spPr>
+        <p:txBody>
+          <a:bodyPr vert="horz" lIns="91440" tIns="45720" rIns="91440" bIns="45720" rtlCol="0" anchor="t">
+            <a:normAutofit/>
+          </a:bodyPr>
+          <a:lstStyle>
+            <a:lvl1pPr algn="l" defTabSz="457200" rtl="0" eaLnBrk="1" latinLnBrk="0" hangingPunct="1">
+              <a:spcBef>
+                <a:spcPct val="0"/>
+              </a:spcBef>
+              <a:buNone/>
+              <a:defRPr sz="3600" kern="1200">
+                <a:solidFill>
+                  <a:schemeClr val="accent1"/>
+                </a:solidFill>
+                <a:latin typeface="+mj-lt"/>
+                <a:ea typeface="+mj-ea"/>
+                <a:cs typeface="+mj-cs"/>
+              </a:defRPr>
+            </a:lvl1pPr>
+            <a:lvl2pPr eaLnBrk="1" hangingPunct="1">
+              <a:defRPr>
+                <a:solidFill>
+                  <a:schemeClr val="tx2"/>
+                </a:solidFill>
+              </a:defRPr>
+            </a:lvl2pPr>
+            <a:lvl3pPr eaLnBrk="1" hangingPunct="1">
+              <a:defRPr>
+                <a:solidFill>
+                  <a:schemeClr val="tx2"/>
+                </a:solidFill>
+              </a:defRPr>
+            </a:lvl3pPr>
+            <a:lvl4pPr eaLnBrk="1" hangingPunct="1">
+              <a:defRPr>
+                <a:solidFill>
+                  <a:schemeClr val="tx2"/>
+                </a:solidFill>
+              </a:defRPr>
+            </a:lvl4pPr>
+            <a:lvl5pPr eaLnBrk="1" hangingPunct="1">
+              <a:defRPr>
+                <a:solidFill>
+                  <a:schemeClr val="tx2"/>
+                </a:solidFill>
+              </a:defRPr>
+            </a:lvl5pPr>
+            <a:lvl6pPr eaLnBrk="1" hangingPunct="1">
+              <a:defRPr>
+                <a:solidFill>
+                  <a:schemeClr val="tx2"/>
+                </a:solidFill>
+              </a:defRPr>
+            </a:lvl6pPr>
+            <a:lvl7pPr eaLnBrk="1" hangingPunct="1">
+              <a:defRPr>
+                <a:solidFill>
+                  <a:schemeClr val="tx2"/>
+                </a:solidFill>
+              </a:defRPr>
+            </a:lvl7pPr>
+            <a:lvl8pPr eaLnBrk="1" hangingPunct="1">
+              <a:defRPr>
+                <a:solidFill>
+                  <a:schemeClr val="tx2"/>
+                </a:solidFill>
+              </a:defRPr>
+            </a:lvl8pPr>
+            <a:lvl9pPr eaLnBrk="1" hangingPunct="1">
+              <a:defRPr>
+                <a:solidFill>
+                  <a:schemeClr val="tx2"/>
+                </a:solidFill>
+              </a:defRPr>
+            </a:lvl9pPr>
+          </a:lstStyle>
+          <a:p>
+            <a:r>
+              <a:rPr lang="ru-RU" dirty="0" smtClean="0"/>
+              <a:t>Враги</a:t>
+            </a:r>
+            <a:endParaRPr lang="ru-RU" dirty="0"/>
+          </a:p>
+        </p:txBody>
+      </p:sp>
+      <p:sp>
+        <p:nvSpPr>
+          <p:cNvPr id="11" name="Заголовок 1">
+            <a:extLst>
+              <a:ext uri="{FF2B5EF4-FFF2-40B4-BE49-F238E27FC236}">
+                <a16:creationId xmlns="" xmlns:a16="http://schemas.microsoft.com/office/drawing/2014/main" id="{0DA05317-B2A2-4699-953E-8D18EB49C8FE}"/>
+              </a:ext>
+            </a:extLst>
+          </p:cNvPr>
+          <p:cNvSpPr txBox="1">
+            <a:spLocks/>
+          </p:cNvSpPr>
+          <p:nvPr/>
+        </p:nvSpPr>
+        <p:spPr>
+          <a:xfrm>
+            <a:off x="181736" y="4484911"/>
+            <a:ext cx="2773428" cy="1170215"/>
+          </a:xfrm>
+          <a:prstGeom prst="rect">
+            <a:avLst/>
+          </a:prstGeom>
+        </p:spPr>
+        <p:txBody>
+          <a:bodyPr vert="horz" lIns="91440" tIns="45720" rIns="91440" bIns="45720" rtlCol="0" anchor="t">
+            <a:normAutofit fontScale="97500"/>
+          </a:bodyPr>
+          <a:lstStyle>
+            <a:lvl1pPr algn="l" defTabSz="457200" rtl="0" eaLnBrk="1" latinLnBrk="0" hangingPunct="1">
+              <a:spcBef>
+                <a:spcPct val="0"/>
+              </a:spcBef>
+              <a:buNone/>
+              <a:defRPr sz="3600" kern="1200">
+                <a:solidFill>
+                  <a:schemeClr val="accent1"/>
+                </a:solidFill>
+                <a:latin typeface="+mj-lt"/>
+                <a:ea typeface="+mj-ea"/>
+                <a:cs typeface="+mj-cs"/>
+              </a:defRPr>
+            </a:lvl1pPr>
+            <a:lvl2pPr eaLnBrk="1" hangingPunct="1">
+              <a:defRPr>
+                <a:solidFill>
+                  <a:schemeClr val="tx2"/>
+                </a:solidFill>
+              </a:defRPr>
+            </a:lvl2pPr>
+            <a:lvl3pPr eaLnBrk="1" hangingPunct="1">
+              <a:defRPr>
+                <a:solidFill>
+                  <a:schemeClr val="tx2"/>
+                </a:solidFill>
+              </a:defRPr>
+            </a:lvl3pPr>
+            <a:lvl4pPr eaLnBrk="1" hangingPunct="1">
+              <a:defRPr>
+                <a:solidFill>
+                  <a:schemeClr val="tx2"/>
+                </a:solidFill>
+              </a:defRPr>
+            </a:lvl4pPr>
+            <a:lvl5pPr eaLnBrk="1" hangingPunct="1">
+              <a:defRPr>
+                <a:solidFill>
+                  <a:schemeClr val="tx2"/>
+                </a:solidFill>
+              </a:defRPr>
+            </a:lvl5pPr>
+            <a:lvl6pPr eaLnBrk="1" hangingPunct="1">
+              <a:defRPr>
+                <a:solidFill>
+                  <a:schemeClr val="tx2"/>
+                </a:solidFill>
+              </a:defRPr>
+            </a:lvl6pPr>
+            <a:lvl7pPr eaLnBrk="1" hangingPunct="1">
+              <a:defRPr>
+                <a:solidFill>
+                  <a:schemeClr val="tx2"/>
+                </a:solidFill>
+              </a:defRPr>
+            </a:lvl7pPr>
+            <a:lvl8pPr eaLnBrk="1" hangingPunct="1">
+              <a:defRPr>
+                <a:solidFill>
+                  <a:schemeClr val="tx2"/>
+                </a:solidFill>
+              </a:defRPr>
+            </a:lvl8pPr>
+            <a:lvl9pPr eaLnBrk="1" hangingPunct="1">
+              <a:defRPr>
+                <a:solidFill>
+                  <a:schemeClr val="tx2"/>
+                </a:solidFill>
+              </a:defRPr>
+            </a:lvl9pPr>
+          </a:lstStyle>
+          <a:p>
+            <a:r>
+              <a:rPr lang="ru-RU" dirty="0" smtClean="0"/>
+              <a:t>Враг 1</a:t>
+            </a:r>
+            <a:br>
+              <a:rPr lang="ru-RU" dirty="0" smtClean="0"/>
+            </a:br>
+            <a:r>
+              <a:rPr lang="ru-RU" dirty="0" smtClean="0"/>
+              <a:t>15 здоровья</a:t>
+            </a:r>
+            <a:endParaRPr lang="ru-RU" dirty="0"/>
+          </a:p>
+        </p:txBody>
+      </p:sp>
+      <p:sp>
+        <p:nvSpPr>
+          <p:cNvPr id="12" name="Заголовок 1">
+            <a:extLst>
+              <a:ext uri="{FF2B5EF4-FFF2-40B4-BE49-F238E27FC236}">
+                <a16:creationId xmlns="" xmlns:a16="http://schemas.microsoft.com/office/drawing/2014/main" id="{0DA05317-B2A2-4699-953E-8D18EB49C8FE}"/>
+              </a:ext>
+            </a:extLst>
+          </p:cNvPr>
+          <p:cNvSpPr txBox="1">
+            <a:spLocks/>
+          </p:cNvSpPr>
+          <p:nvPr/>
+        </p:nvSpPr>
+        <p:spPr>
+          <a:xfrm>
+            <a:off x="6580414" y="4512123"/>
+            <a:ext cx="2971800" cy="1268186"/>
+          </a:xfrm>
+          <a:prstGeom prst="rect">
+            <a:avLst/>
+          </a:prstGeom>
+        </p:spPr>
+        <p:txBody>
+          <a:bodyPr vert="horz" lIns="91440" tIns="45720" rIns="91440" bIns="45720" rtlCol="0" anchor="t">
+            <a:normAutofit fontScale="97500"/>
+          </a:bodyPr>
+          <a:lstStyle>
+            <a:lvl1pPr algn="l" defTabSz="457200" rtl="0" eaLnBrk="1" latinLnBrk="0" hangingPunct="1">
+              <a:spcBef>
+                <a:spcPct val="0"/>
+              </a:spcBef>
+              <a:buNone/>
+              <a:defRPr sz="3600" kern="1200">
+                <a:solidFill>
+                  <a:schemeClr val="accent1"/>
+                </a:solidFill>
+                <a:latin typeface="+mj-lt"/>
+                <a:ea typeface="+mj-ea"/>
+                <a:cs typeface="+mj-cs"/>
+              </a:defRPr>
+            </a:lvl1pPr>
+            <a:lvl2pPr eaLnBrk="1" hangingPunct="1">
+              <a:defRPr>
+                <a:solidFill>
+                  <a:schemeClr val="tx2"/>
+                </a:solidFill>
+              </a:defRPr>
+            </a:lvl2pPr>
+            <a:lvl3pPr eaLnBrk="1" hangingPunct="1">
+              <a:defRPr>
+                <a:solidFill>
+                  <a:schemeClr val="tx2"/>
+                </a:solidFill>
+              </a:defRPr>
+            </a:lvl3pPr>
+            <a:lvl4pPr eaLnBrk="1" hangingPunct="1">
+              <a:defRPr>
+                <a:solidFill>
+                  <a:schemeClr val="tx2"/>
+                </a:solidFill>
+              </a:defRPr>
+            </a:lvl4pPr>
+            <a:lvl5pPr eaLnBrk="1" hangingPunct="1">
+              <a:defRPr>
+                <a:solidFill>
+                  <a:schemeClr val="tx2"/>
+                </a:solidFill>
+              </a:defRPr>
+            </a:lvl5pPr>
+            <a:lvl6pPr eaLnBrk="1" hangingPunct="1">
+              <a:defRPr>
+                <a:solidFill>
+                  <a:schemeClr val="tx2"/>
+                </a:solidFill>
+              </a:defRPr>
+            </a:lvl6pPr>
+            <a:lvl7pPr eaLnBrk="1" hangingPunct="1">
+              <a:defRPr>
+                <a:solidFill>
+                  <a:schemeClr val="tx2"/>
+                </a:solidFill>
+              </a:defRPr>
+            </a:lvl7pPr>
+            <a:lvl8pPr eaLnBrk="1" hangingPunct="1">
+              <a:defRPr>
+                <a:solidFill>
+                  <a:schemeClr val="tx2"/>
+                </a:solidFill>
+              </a:defRPr>
+            </a:lvl8pPr>
+            <a:lvl9pPr eaLnBrk="1" hangingPunct="1">
+              <a:defRPr>
+                <a:solidFill>
+                  <a:schemeClr val="tx2"/>
+                </a:solidFill>
+              </a:defRPr>
+            </a:lvl9pPr>
+          </a:lstStyle>
+          <a:p>
+            <a:r>
+              <a:rPr lang="ru-RU" dirty="0" smtClean="0"/>
+              <a:t>Враг 3</a:t>
+            </a:r>
+            <a:br>
+              <a:rPr lang="ru-RU" dirty="0" smtClean="0"/>
+            </a:br>
+            <a:r>
+              <a:rPr lang="ru-RU" dirty="0" smtClean="0"/>
+              <a:t>45 здоровья</a:t>
+            </a:r>
+            <a:endParaRPr lang="ru-RU" dirty="0"/>
+          </a:p>
+        </p:txBody>
+      </p:sp>
+    </p:spTree>
+    <p:extLst>
+      <p:ext uri="{BB962C8B-B14F-4D97-AF65-F5344CB8AC3E}">
+        <p14:creationId xmlns:p14="http://schemas.microsoft.com/office/powerpoint/2010/main" val="3841136541"/>
+      </p:ext>
+    </p:extLst>
+  </p:cSld>
+  <p:clrMapOvr>
+    <a:masterClrMapping/>
+  </p:clrMapOvr>
+  <p:timing>
+    <p:tnLst>
+      <p:par>
+        <p:cTn id="1" dur="indefinite" restart="never" nodeType="tmRoot"/>
+      </p:par>
+    </p:tnLst>
+  </p:timing>
+</p:sld>
+</file>
+
+<file path=ppt/slides/slide9.xml><?xml version="1.0" encoding="utf-8"?>
+<p:sld xmlns:a="http://schemas.openxmlformats.org/drawingml/2006/main" xmlns:r="http://schemas.openxmlformats.org/officeDocument/2006/relationships" xmlns:p="http://schemas.openxmlformats.org/presentationml/2006/main">
+  <p:cSld>
+    <p:spTree>
+      <p:nvGrpSpPr>
+        <p:cNvPr id="1" name=""/>
+        <p:cNvGrpSpPr/>
+        <p:nvPr/>
+      </p:nvGrpSpPr>
+      <p:grpSpPr>
+        <a:xfrm>
+          <a:off x="0" y="0"/>
+          <a:ext cx="0" cy="0"/>
+          <a:chOff x="0" y="0"/>
+          <a:chExt cx="0" cy="0"/>
+        </a:xfrm>
+      </p:grpSpPr>
+      <p:sp>
+        <p:nvSpPr>
+          <p:cNvPr id="2" name="Заголовок 1">
+            <a:extLst>
+              <a:ext uri="{FF2B5EF4-FFF2-40B4-BE49-F238E27FC236}">
+                <a16:creationId xmlns="" xmlns:a16="http://schemas.microsoft.com/office/drawing/2014/main" id="{0DA05317-B2A2-4699-953E-8D18EB49C8FE}"/>
+              </a:ext>
+            </a:extLst>
+          </p:cNvPr>
+          <p:cNvSpPr>
+            <a:spLocks noGrp="1"/>
+          </p:cNvSpPr>
+          <p:nvPr>
+            <p:ph type="title"/>
+          </p:nvPr>
+        </p:nvSpPr>
+        <p:spPr>
+          <a:xfrm>
+            <a:off x="677334" y="609600"/>
+            <a:ext cx="8596668" cy="651933"/>
+          </a:xfrm>
+        </p:spPr>
+        <p:txBody>
+          <a:bodyPr/>
+          <a:lstStyle/>
+          <a:p>
+            <a:r>
+              <a:rPr lang="ru-RU" dirty="0" smtClean="0"/>
+              <a:t>Экран победы</a:t>
+            </a:r>
+            <a:endParaRPr lang="ru-RU" dirty="0"/>
+          </a:p>
+        </p:txBody>
+      </p:sp>
+      <p:pic>
+        <p:nvPicPr>
+          <p:cNvPr id="6" name="Рисунок 5"/>
+          <p:cNvPicPr/>
+          <p:nvPr/>
+        </p:nvPicPr>
+        <p:blipFill>
+          <a:blip r:embed="rId2"/>
+          <a:stretch>
+            <a:fillRect/>
+          </a:stretch>
+        </p:blipFill>
+        <p:spPr>
+          <a:xfrm>
+            <a:off x="2644185" y="1327695"/>
+            <a:ext cx="6152515" cy="5019040"/>
+          </a:xfrm>
+          <a:prstGeom prst="rect">
+            <a:avLst/>
+          </a:prstGeom>
+        </p:spPr>
+      </p:pic>
+    </p:spTree>
+    <p:extLst>
+      <p:ext uri="{BB962C8B-B14F-4D97-AF65-F5344CB8AC3E}">
+        <p14:creationId xmlns:p14="http://schemas.microsoft.com/office/powerpoint/2010/main" val="3736712584"/>
+      </p:ext>
+    </p:extLst>
+  </p:cSld>
+  <p:clrMapOvr>
+    <a:masterClrMapping/>
+  </p:clrMapOvr>
+  <p:timing>
+    <p:tnLst>
+      <p:par>
+        <p:cTn id="1" dur="indefinite" restart="never" nodeType="tmRoot"/>
+      </p:par>
+    </p:tnLst>
+  </p:timing>
 </p:sld>
 </file>
 
@@ -6367,7 +7347,7 @@
     </a:clrScheme>
     <a:fontScheme name="Аспект">
       <a:majorFont>
-        <a:latin typeface="Trebuchet MS" panose="020B0603020202020204"/>
+        <a:latin typeface="Trebuchet MS"/>
         <a:ea typeface=""/>
         <a:cs typeface=""/>
         <a:font script="Jpan" typeface="メイリオ"/>
@@ -6402,7 +7382,7 @@
         <a:font script="Geor" typeface="Sylfaen"/>
       </a:majorFont>
       <a:minorFont>
-        <a:latin typeface="Trebuchet MS" panose="020B0603020202020204"/>
+        <a:latin typeface="Trebuchet MS"/>
         <a:ea typeface=""/>
         <a:cs typeface=""/>
         <a:font script="Jpan" typeface="メイリオ"/>
@@ -6575,7 +7555,7 @@
   <a:extraClrSchemeLst/>
   <a:extLst>
     <a:ext uri="{05A4C25C-085E-4340-85A3-A5531E510DB2}">
-      <thm15:themeFamily xmlns:thm15="http://schemas.microsoft.com/office/thememl/2012/main" name="Facet" id="{C0C680CD-088A-49FC-A102-D699147F32B2}" vid="{8C59B386-999D-4CB6-B907-9F3997C027CC}"/>
+      <thm15:themeFamily xmlns="" xmlns:thm15="http://schemas.microsoft.com/office/thememl/2012/main" name="Facet" id="{C0C680CD-088A-49FC-A102-D699147F32B2}" vid="{8C59B386-999D-4CB6-B907-9F3997C027CC}"/>
     </a:ext>
   </a:extLst>
 </a:theme>

--- a/От Создателей игры.pptx
+++ b/От Создателей игры.pptx
@@ -113,6 +113,22 @@
       </a:defRPr>
     </a:lvl9pPr>
   </p:defaultTextStyle>
+  <p:extLst>
+    <p:ext uri="{EFAFB233-063F-42B5-8137-9DF3F51BA10A}">
+      <p15:sldGuideLst xmlns:p15="http://schemas.microsoft.com/office/powerpoint/2012/main">
+        <p15:guide id="1" orient="horz" pos="2160">
+          <p15:clr>
+            <a:srgbClr val="A4A3A4"/>
+          </p15:clr>
+        </p15:guide>
+        <p15:guide id="2" pos="3840">
+          <p15:clr>
+            <a:srgbClr val="A4A3A4"/>
+          </p15:clr>
+        </p15:guide>
+      </p15:sldGuideLst>
+    </p:ext>
+  </p:extLst>
 </p:presentation>
 </file>
 
@@ -5822,7 +5838,7 @@
           <p:cNvPr id="2" name="Заголовок 1">
             <a:extLst>
               <a:ext uri="{FF2B5EF4-FFF2-40B4-BE49-F238E27FC236}">
-                <a16:creationId xmlns="" xmlns:a16="http://schemas.microsoft.com/office/drawing/2014/main" id="{794F0440-EF90-4FF4-BD50-204A92E7438E}"/>
+                <a16:creationId xmlns:a16="http://schemas.microsoft.com/office/drawing/2014/main" id="{794F0440-EF90-4FF4-BD50-204A92E7438E}"/>
               </a:ext>
             </a:extLst>
           </p:cNvPr>
@@ -5871,7 +5887,7 @@
           <p:cNvPr id="3" name="Подзаголовок 2">
             <a:extLst>
               <a:ext uri="{FF2B5EF4-FFF2-40B4-BE49-F238E27FC236}">
-                <a16:creationId xmlns="" xmlns:a16="http://schemas.microsoft.com/office/drawing/2014/main" id="{BF248301-CF12-4BC5-ABAC-2EB8D68260B5}"/>
+                <a16:creationId xmlns:a16="http://schemas.microsoft.com/office/drawing/2014/main" id="{BF248301-CF12-4BC5-ABAC-2EB8D68260B5}"/>
               </a:ext>
             </a:extLst>
           </p:cNvPr>
@@ -5914,13 +5930,6 @@
   <p:transition spd="slow">
     <p:fade/>
   </p:transition>
-  <p:timing>
-    <p:tnLst>
-      <p:par>
-        <p:cTn id="1" dur="indefinite" restart="never" nodeType="tmRoot"/>
-      </p:par>
-    </p:tnLst>
-  </p:timing>
 </p:sld>
 </file>
 
@@ -5946,7 +5955,7 @@
           <p:cNvPr id="2" name="Заголовок 1">
             <a:extLst>
               <a:ext uri="{FF2B5EF4-FFF2-40B4-BE49-F238E27FC236}">
-                <a16:creationId xmlns="" xmlns:a16="http://schemas.microsoft.com/office/drawing/2014/main" id="{156C8B58-6296-4EF9-BAD4-56C4826FB8BD}"/>
+                <a16:creationId xmlns:a16="http://schemas.microsoft.com/office/drawing/2014/main" id="{156C8B58-6296-4EF9-BAD4-56C4826FB8BD}"/>
               </a:ext>
             </a:extLst>
           </p:cNvPr>
@@ -5971,7 +5980,7 @@
           <p:cNvPr id="3" name="Объект 2">
             <a:extLst>
               <a:ext uri="{FF2B5EF4-FFF2-40B4-BE49-F238E27FC236}">
-                <a16:creationId xmlns="" xmlns:a16="http://schemas.microsoft.com/office/drawing/2014/main" id="{0C0C406C-4F76-4DF2-8604-27375AB8D9DE}"/>
+                <a16:creationId xmlns:a16="http://schemas.microsoft.com/office/drawing/2014/main" id="{0C0C406C-4F76-4DF2-8604-27375AB8D9DE}"/>
               </a:ext>
             </a:extLst>
           </p:cNvPr>
@@ -6015,13 +6024,6 @@
   <p:clrMapOvr>
     <a:masterClrMapping/>
   </p:clrMapOvr>
-  <p:timing>
-    <p:tnLst>
-      <p:par>
-        <p:cTn id="1" dur="indefinite" restart="never" nodeType="tmRoot"/>
-      </p:par>
-    </p:tnLst>
-  </p:timing>
 </p:sld>
 </file>
 
@@ -6047,7 +6049,7 @@
           <p:cNvPr id="2" name="Заголовок 1">
             <a:extLst>
               <a:ext uri="{FF2B5EF4-FFF2-40B4-BE49-F238E27FC236}">
-                <a16:creationId xmlns="" xmlns:a16="http://schemas.microsoft.com/office/drawing/2014/main" id="{E0149F15-04A7-44A8-AC3E-DDED206EDDBC}"/>
+                <a16:creationId xmlns:a16="http://schemas.microsoft.com/office/drawing/2014/main" id="{E0149F15-04A7-44A8-AC3E-DDED206EDDBC}"/>
               </a:ext>
             </a:extLst>
           </p:cNvPr>
@@ -6073,7 +6075,7 @@
             </a:r>
             <a:r>
               <a:rPr lang="ru-RU" dirty="0"/>
-              <a:t>танки онлайн</a:t>
+              <a:t>Битва танков</a:t>
             </a:r>
             <a:r>
               <a:rPr lang="en-US" dirty="0"/>
@@ -6088,7 +6090,7 @@
           <p:cNvPr id="3" name="Подзаголовок 2">
             <a:extLst>
               <a:ext uri="{FF2B5EF4-FFF2-40B4-BE49-F238E27FC236}">
-                <a16:creationId xmlns="" xmlns:a16="http://schemas.microsoft.com/office/drawing/2014/main" id="{32F0FC8A-67F2-4D58-9236-EDEB1F36DA66}"/>
+                <a16:creationId xmlns:a16="http://schemas.microsoft.com/office/drawing/2014/main" id="{32F0FC8A-67F2-4D58-9236-EDEB1F36DA66}"/>
               </a:ext>
             </a:extLst>
           </p:cNvPr>
@@ -6140,13 +6142,6 @@
   <p:transition spd="slow">
     <p:fade/>
   </p:transition>
-  <p:timing>
-    <p:tnLst>
-      <p:par>
-        <p:cTn id="1" dur="indefinite" restart="never" nodeType="tmRoot"/>
-      </p:par>
-    </p:tnLst>
-  </p:timing>
 </p:sld>
 </file>
 
@@ -6172,7 +6167,7 @@
           <p:cNvPr id="2" name="Заголовок 1">
             <a:extLst>
               <a:ext uri="{FF2B5EF4-FFF2-40B4-BE49-F238E27FC236}">
-                <a16:creationId xmlns="" xmlns:a16="http://schemas.microsoft.com/office/drawing/2014/main" id="{EBB4DF09-D6E5-4333-AD7C-059C5F954AED}"/>
+                <a16:creationId xmlns:a16="http://schemas.microsoft.com/office/drawing/2014/main" id="{EBB4DF09-D6E5-4333-AD7C-059C5F954AED}"/>
               </a:ext>
             </a:extLst>
           </p:cNvPr>
@@ -6206,7 +6201,7 @@
           <p:cNvPr id="5" name="Объект 4">
             <a:extLst>
               <a:ext uri="{FF2B5EF4-FFF2-40B4-BE49-F238E27FC236}">
-                <a16:creationId xmlns="" xmlns:a16="http://schemas.microsoft.com/office/drawing/2014/main" id="{6FF81082-1DAE-4D1C-A8B9-CFC1C3C41D00}"/>
+                <a16:creationId xmlns:a16="http://schemas.microsoft.com/office/drawing/2014/main" id="{6FF81082-1DAE-4D1C-A8B9-CFC1C3C41D00}"/>
               </a:ext>
             </a:extLst>
           </p:cNvPr>
@@ -6240,13 +6235,6 @@
   <p:clrMapOvr>
     <a:masterClrMapping/>
   </p:clrMapOvr>
-  <p:timing>
-    <p:tnLst>
-      <p:par>
-        <p:cTn id="1" dur="indefinite" restart="never" nodeType="tmRoot"/>
-      </p:par>
-    </p:tnLst>
-  </p:timing>
 </p:sld>
 </file>
 
@@ -6272,7 +6260,7 @@
           <p:cNvPr id="2" name="Заголовок 1">
             <a:extLst>
               <a:ext uri="{FF2B5EF4-FFF2-40B4-BE49-F238E27FC236}">
-                <a16:creationId xmlns="" xmlns:a16="http://schemas.microsoft.com/office/drawing/2014/main" id="{0DA05317-B2A2-4699-953E-8D18EB49C8FE}"/>
+                <a16:creationId xmlns:a16="http://schemas.microsoft.com/office/drawing/2014/main" id="{0DA05317-B2A2-4699-953E-8D18EB49C8FE}"/>
               </a:ext>
             </a:extLst>
           </p:cNvPr>
@@ -6294,10 +6282,9 @@
           <a:lstStyle/>
           <a:p>
             <a:r>
-              <a:rPr lang="ru-RU" dirty="0" smtClean="0"/>
+              <a:rPr lang="ru-RU" dirty="0"/>
               <a:t>Первый уровень</a:t>
             </a:r>
-            <a:endParaRPr lang="ru-RU" dirty="0"/>
           </a:p>
         </p:txBody>
       </p:sp>
@@ -6337,13 +6324,6 @@
   <p:clrMapOvr>
     <a:masterClrMapping/>
   </p:clrMapOvr>
-  <p:timing>
-    <p:tnLst>
-      <p:par>
-        <p:cTn id="1" dur="indefinite" restart="never" nodeType="tmRoot"/>
-      </p:par>
-    </p:tnLst>
-  </p:timing>
 </p:sld>
 </file>
 
@@ -6369,7 +6349,7 @@
           <p:cNvPr id="2" name="Заголовок 1">
             <a:extLst>
               <a:ext uri="{FF2B5EF4-FFF2-40B4-BE49-F238E27FC236}">
-                <a16:creationId xmlns="" xmlns:a16="http://schemas.microsoft.com/office/drawing/2014/main" id="{0DA05317-B2A2-4699-953E-8D18EB49C8FE}"/>
+                <a16:creationId xmlns:a16="http://schemas.microsoft.com/office/drawing/2014/main" id="{0DA05317-B2A2-4699-953E-8D18EB49C8FE}"/>
               </a:ext>
             </a:extLst>
           </p:cNvPr>
@@ -6391,10 +6371,9 @@
           <a:lstStyle/>
           <a:p>
             <a:r>
-              <a:rPr lang="ru-RU" dirty="0" smtClean="0"/>
+              <a:rPr lang="ru-RU" dirty="0"/>
               <a:t>Второй уровень</a:t>
             </a:r>
-            <a:endParaRPr lang="ru-RU" dirty="0"/>
           </a:p>
         </p:txBody>
       </p:sp>
@@ -6430,13 +6409,6 @@
   <p:clrMapOvr>
     <a:masterClrMapping/>
   </p:clrMapOvr>
-  <p:timing>
-    <p:tnLst>
-      <p:par>
-        <p:cTn id="1" dur="indefinite" restart="never" nodeType="tmRoot"/>
-      </p:par>
-    </p:tnLst>
-  </p:timing>
 </p:sld>
 </file>
 
@@ -6462,7 +6434,7 @@
           <p:cNvPr id="2" name="Заголовок 1">
             <a:extLst>
               <a:ext uri="{FF2B5EF4-FFF2-40B4-BE49-F238E27FC236}">
-                <a16:creationId xmlns="" xmlns:a16="http://schemas.microsoft.com/office/drawing/2014/main" id="{0DA05317-B2A2-4699-953E-8D18EB49C8FE}"/>
+                <a16:creationId xmlns:a16="http://schemas.microsoft.com/office/drawing/2014/main" id="{0DA05317-B2A2-4699-953E-8D18EB49C8FE}"/>
               </a:ext>
             </a:extLst>
           </p:cNvPr>
@@ -6484,10 +6456,9 @@
           <a:lstStyle/>
           <a:p>
             <a:r>
-              <a:rPr lang="ru-RU" dirty="0" smtClean="0"/>
+              <a:rPr lang="ru-RU" dirty="0"/>
               <a:t>Третий уровень</a:t>
             </a:r>
-            <a:endParaRPr lang="ru-RU" dirty="0"/>
           </a:p>
         </p:txBody>
       </p:sp>
@@ -6523,13 +6494,6 @@
   <p:clrMapOvr>
     <a:masterClrMapping/>
   </p:clrMapOvr>
-  <p:timing>
-    <p:tnLst>
-      <p:par>
-        <p:cTn id="1" dur="indefinite" restart="never" nodeType="tmRoot"/>
-      </p:par>
-    </p:tnLst>
-  </p:timing>
 </p:sld>
 </file>
 
@@ -6555,7 +6519,7 @@
           <p:cNvPr id="2" name="Заголовок 1">
             <a:extLst>
               <a:ext uri="{FF2B5EF4-FFF2-40B4-BE49-F238E27FC236}">
-                <a16:creationId xmlns="" xmlns:a16="http://schemas.microsoft.com/office/drawing/2014/main" id="{0DA05317-B2A2-4699-953E-8D18EB49C8FE}"/>
+                <a16:creationId xmlns:a16="http://schemas.microsoft.com/office/drawing/2014/main" id="{0DA05317-B2A2-4699-953E-8D18EB49C8FE}"/>
               </a:ext>
             </a:extLst>
           </p:cNvPr>
@@ -6577,10 +6541,9 @@
           <a:lstStyle/>
           <a:p>
             <a:r>
-              <a:rPr lang="ru-RU" dirty="0" smtClean="0"/>
+              <a:rPr lang="ru-RU" dirty="0"/>
               <a:t>Бонусы</a:t>
             </a:r>
-            <a:endParaRPr lang="ru-RU" dirty="0"/>
           </a:p>
         </p:txBody>
       </p:sp>
@@ -6660,13 +6623,6 @@
   <p:clrMapOvr>
     <a:masterClrMapping/>
   </p:clrMapOvr>
-  <p:timing>
-    <p:tnLst>
-      <p:par>
-        <p:cTn id="1" dur="indefinite" restart="never" nodeType="tmRoot"/>
-      </p:par>
-    </p:tnLst>
-  </p:timing>
 </p:sld>
 </file>
 
@@ -6692,7 +6648,7 @@
           <p:cNvPr id="2" name="Заголовок 1">
             <a:extLst>
               <a:ext uri="{FF2B5EF4-FFF2-40B4-BE49-F238E27FC236}">
-                <a16:creationId xmlns="" xmlns:a16="http://schemas.microsoft.com/office/drawing/2014/main" id="{0DA05317-B2A2-4699-953E-8D18EB49C8FE}"/>
+                <a16:creationId xmlns:a16="http://schemas.microsoft.com/office/drawing/2014/main" id="{0DA05317-B2A2-4699-953E-8D18EB49C8FE}"/>
               </a:ext>
             </a:extLst>
           </p:cNvPr>
@@ -6716,17 +6672,16 @@
           <a:lstStyle/>
           <a:p>
             <a:r>
-              <a:rPr lang="ru-RU" dirty="0" smtClean="0"/>
+              <a:rPr lang="ru-RU" dirty="0"/>
               <a:t>Враг 2</a:t>
             </a:r>
             <a:br>
-              <a:rPr lang="ru-RU" dirty="0" smtClean="0"/>
+              <a:rPr lang="ru-RU" dirty="0"/>
             </a:br>
             <a:r>
-              <a:rPr lang="ru-RU" dirty="0" smtClean="0"/>
+              <a:rPr lang="ru-RU" dirty="0"/>
               <a:t>30 здоровья</a:t>
             </a:r>
-            <a:endParaRPr lang="ru-RU" dirty="0"/>
           </a:p>
         </p:txBody>
       </p:sp>
@@ -6858,7 +6813,7 @@
           <p:cNvPr id="10" name="Заголовок 1">
             <a:extLst>
               <a:ext uri="{FF2B5EF4-FFF2-40B4-BE49-F238E27FC236}">
-                <a16:creationId xmlns="" xmlns:a16="http://schemas.microsoft.com/office/drawing/2014/main" id="{0DA05317-B2A2-4699-953E-8D18EB49C8FE}"/>
+                <a16:creationId xmlns:a16="http://schemas.microsoft.com/office/drawing/2014/main" id="{0DA05317-B2A2-4699-953E-8D18EB49C8FE}"/>
               </a:ext>
             </a:extLst>
           </p:cNvPr>
@@ -6954,10 +6909,9 @@
           </a:lstStyle>
           <a:p>
             <a:r>
-              <a:rPr lang="ru-RU" dirty="0" smtClean="0"/>
+              <a:rPr lang="ru-RU" dirty="0"/>
               <a:t>Враги</a:t>
             </a:r>
-            <a:endParaRPr lang="ru-RU" dirty="0"/>
           </a:p>
         </p:txBody>
       </p:sp>
@@ -6966,7 +6920,7 @@
           <p:cNvPr id="11" name="Заголовок 1">
             <a:extLst>
               <a:ext uri="{FF2B5EF4-FFF2-40B4-BE49-F238E27FC236}">
-                <a16:creationId xmlns="" xmlns:a16="http://schemas.microsoft.com/office/drawing/2014/main" id="{0DA05317-B2A2-4699-953E-8D18EB49C8FE}"/>
+                <a16:creationId xmlns:a16="http://schemas.microsoft.com/office/drawing/2014/main" id="{0DA05317-B2A2-4699-953E-8D18EB49C8FE}"/>
               </a:ext>
             </a:extLst>
           </p:cNvPr>
@@ -7062,17 +7016,16 @@
           </a:lstStyle>
           <a:p>
             <a:r>
-              <a:rPr lang="ru-RU" dirty="0" smtClean="0"/>
+              <a:rPr lang="ru-RU" dirty="0"/>
               <a:t>Враг 1</a:t>
             </a:r>
             <a:br>
-              <a:rPr lang="ru-RU" dirty="0" smtClean="0"/>
+              <a:rPr lang="ru-RU" dirty="0"/>
             </a:br>
             <a:r>
-              <a:rPr lang="ru-RU" dirty="0" smtClean="0"/>
+              <a:rPr lang="ru-RU" dirty="0"/>
               <a:t>15 здоровья</a:t>
             </a:r>
-            <a:endParaRPr lang="ru-RU" dirty="0"/>
           </a:p>
         </p:txBody>
       </p:sp>
@@ -7081,7 +7034,7 @@
           <p:cNvPr id="12" name="Заголовок 1">
             <a:extLst>
               <a:ext uri="{FF2B5EF4-FFF2-40B4-BE49-F238E27FC236}">
-                <a16:creationId xmlns="" xmlns:a16="http://schemas.microsoft.com/office/drawing/2014/main" id="{0DA05317-B2A2-4699-953E-8D18EB49C8FE}"/>
+                <a16:creationId xmlns:a16="http://schemas.microsoft.com/office/drawing/2014/main" id="{0DA05317-B2A2-4699-953E-8D18EB49C8FE}"/>
               </a:ext>
             </a:extLst>
           </p:cNvPr>
@@ -7177,17 +7130,16 @@
           </a:lstStyle>
           <a:p>
             <a:r>
-              <a:rPr lang="ru-RU" dirty="0" smtClean="0"/>
+              <a:rPr lang="ru-RU" dirty="0"/>
               <a:t>Враг 3</a:t>
             </a:r>
             <a:br>
-              <a:rPr lang="ru-RU" dirty="0" smtClean="0"/>
+              <a:rPr lang="ru-RU" dirty="0"/>
             </a:br>
             <a:r>
-              <a:rPr lang="ru-RU" dirty="0" smtClean="0"/>
+              <a:rPr lang="ru-RU" dirty="0"/>
               <a:t>45 здоровья</a:t>
             </a:r>
-            <a:endParaRPr lang="ru-RU" dirty="0"/>
           </a:p>
         </p:txBody>
       </p:sp>
@@ -7201,13 +7153,6 @@
   <p:clrMapOvr>
     <a:masterClrMapping/>
   </p:clrMapOvr>
-  <p:timing>
-    <p:tnLst>
-      <p:par>
-        <p:cTn id="1" dur="indefinite" restart="never" nodeType="tmRoot"/>
-      </p:par>
-    </p:tnLst>
-  </p:timing>
 </p:sld>
 </file>
 
@@ -7233,7 +7178,7 @@
           <p:cNvPr id="2" name="Заголовок 1">
             <a:extLst>
               <a:ext uri="{FF2B5EF4-FFF2-40B4-BE49-F238E27FC236}">
-                <a16:creationId xmlns="" xmlns:a16="http://schemas.microsoft.com/office/drawing/2014/main" id="{0DA05317-B2A2-4699-953E-8D18EB49C8FE}"/>
+                <a16:creationId xmlns:a16="http://schemas.microsoft.com/office/drawing/2014/main" id="{0DA05317-B2A2-4699-953E-8D18EB49C8FE}"/>
               </a:ext>
             </a:extLst>
           </p:cNvPr>
@@ -7255,10 +7200,9 @@
           <a:lstStyle/>
           <a:p>
             <a:r>
-              <a:rPr lang="ru-RU" dirty="0" smtClean="0"/>
+              <a:rPr lang="ru-RU" dirty="0"/>
               <a:t>Экран победы</a:t>
             </a:r>
-            <a:endParaRPr lang="ru-RU" dirty="0"/>
           </a:p>
         </p:txBody>
       </p:sp>
@@ -7294,13 +7238,6 @@
   <p:clrMapOvr>
     <a:masterClrMapping/>
   </p:clrMapOvr>
-  <p:timing>
-    <p:tnLst>
-      <p:par>
-        <p:cTn id="1" dur="indefinite" restart="never" nodeType="tmRoot"/>
-      </p:par>
-    </p:tnLst>
-  </p:timing>
 </p:sld>
 </file>
 
@@ -7555,7 +7492,7 @@
   <a:extraClrSchemeLst/>
   <a:extLst>
     <a:ext uri="{05A4C25C-085E-4340-85A3-A5531E510DB2}">
-      <thm15:themeFamily xmlns="" xmlns:thm15="http://schemas.microsoft.com/office/thememl/2012/main" name="Facet" id="{C0C680CD-088A-49FC-A102-D699147F32B2}" vid="{8C59B386-999D-4CB6-B907-9F3997C027CC}"/>
+      <thm15:themeFamily xmlns:thm15="http://schemas.microsoft.com/office/thememl/2012/main" name="Facet" id="{C0C680CD-088A-49FC-A102-D699147F32B2}" vid="{8C59B386-999D-4CB6-B907-9F3997C027CC}"/>
     </a:ext>
   </a:extLst>
 </a:theme>
